--- a/documents/项目架构/分层架构与DTO,VO,DO.pptx
+++ b/documents/项目架构/分层架构与DTO,VO,DO.pptx
@@ -5,7 +5,7 @@
     <p:sldMasterId id="2147483648" r:id="rId1"/>
   </p:sldMasterIdLst>
   <p:sldIdLst>
-    <p:sldId id="257" r:id="rId3"/>
+    <p:sldId id="257" r:id="rId2"/>
   </p:sldIdLst>
   <p:sldSz cx="12192000" cy="6858000"/>
   <p:notesSz cx="6858000" cy="9144000"/>
@@ -104,6 +104,11 @@
       </a:defRPr>
     </a:lvl9pPr>
   </p:defaultTextStyle>
+  <p:extLst>
+    <p:ext uri="{EFAFB233-063F-42B5-8137-9DF3F51BA10A}">
+      <p15:sldGuideLst xmlns:p15="http://schemas.microsoft.com/office/powerpoint/2012/main"/>
+    </p:ext>
+  </p:extLst>
 </p:presentation>
 </file>
 
@@ -149,10 +154,9 @@
           </a:lstStyle>
           <a:p>
             <a:r>
-              <a:rPr lang="zh-CN" altLang="en-US" smtClean="0"/>
+              <a:rPr lang="zh-CN" altLang="en-US"/>
               <a:t>单击此处编辑母版标题样式</a:t>
             </a:r>
-            <a:endParaRPr lang="zh-CN" altLang="en-US"/>
           </a:p>
         </p:txBody>
       </p:sp>
@@ -214,10 +218,9 @@
           </a:lstStyle>
           <a:p>
             <a:r>
-              <a:rPr lang="zh-CN" altLang="en-US" smtClean="0"/>
+              <a:rPr lang="zh-CN" altLang="en-US"/>
               <a:t>单击此处编辑母版副标题样式</a:t>
             </a:r>
-            <a:endParaRPr lang="zh-CN" altLang="en-US"/>
           </a:p>
         </p:txBody>
       </p:sp>
@@ -238,6 +241,7 @@
           <a:p>
             <a:fld id="{D997B5FA-0921-464F-AAE1-844C04324D75}" type="datetimeFigureOut">
               <a:rPr lang="zh-CN" altLang="en-US" smtClean="0"/>
+              <a:t>2018/3/9</a:t>
             </a:fld>
             <a:endParaRPr lang="zh-CN" altLang="en-US"/>
           </a:p>
@@ -279,6 +283,7 @@
           <a:p>
             <a:fld id="{565CE74E-AB26-4998-AD42-012C4C1AD076}" type="slidenum">
               <a:rPr lang="zh-CN" altLang="en-US" smtClean="0"/>
+              <a:t>‹#›</a:t>
             </a:fld>
             <a:endParaRPr lang="zh-CN" altLang="en-US"/>
           </a:p>
@@ -325,10 +330,9 @@
           <a:lstStyle/>
           <a:p>
             <a:r>
-              <a:rPr lang="zh-CN" altLang="en-US" smtClean="0"/>
+              <a:rPr lang="zh-CN" altLang="en-US"/>
               <a:t>单击此处编辑母版标题样式</a:t>
             </a:r>
-            <a:endParaRPr lang="zh-CN" altLang="en-US"/>
           </a:p>
         </p:txBody>
       </p:sp>
@@ -349,42 +353,37 @@
           <a:p>
             <a:pPr lvl="0"/>
             <a:r>
-              <a:rPr lang="zh-CN" altLang="en-US" smtClean="0"/>
+              <a:rPr lang="zh-CN" altLang="en-US"/>
               <a:t>单击此处编辑母版文本样式</a:t>
             </a:r>
-            <a:endParaRPr lang="zh-CN" altLang="en-US" smtClean="0"/>
           </a:p>
           <a:p>
             <a:pPr lvl="1"/>
             <a:r>
-              <a:rPr lang="zh-CN" altLang="en-US" smtClean="0"/>
+              <a:rPr lang="zh-CN" altLang="en-US"/>
               <a:t>第二级</a:t>
             </a:r>
-            <a:endParaRPr lang="zh-CN" altLang="en-US" smtClean="0"/>
           </a:p>
           <a:p>
             <a:pPr lvl="2"/>
             <a:r>
-              <a:rPr lang="zh-CN" altLang="en-US" smtClean="0"/>
+              <a:rPr lang="zh-CN" altLang="en-US"/>
               <a:t>第三级</a:t>
             </a:r>
-            <a:endParaRPr lang="zh-CN" altLang="en-US" smtClean="0"/>
           </a:p>
           <a:p>
             <a:pPr lvl="3"/>
             <a:r>
-              <a:rPr lang="zh-CN" altLang="en-US" smtClean="0"/>
+              <a:rPr lang="zh-CN" altLang="en-US"/>
               <a:t>第四级</a:t>
             </a:r>
-            <a:endParaRPr lang="zh-CN" altLang="en-US" smtClean="0"/>
           </a:p>
           <a:p>
             <a:pPr lvl="4"/>
             <a:r>
-              <a:rPr lang="zh-CN" altLang="en-US" smtClean="0"/>
+              <a:rPr lang="zh-CN" altLang="en-US"/>
               <a:t>第五级</a:t>
             </a:r>
-            <a:endParaRPr lang="zh-CN" altLang="en-US"/>
           </a:p>
         </p:txBody>
       </p:sp>
@@ -405,6 +404,7 @@
           <a:p>
             <a:fld id="{D997B5FA-0921-464F-AAE1-844C04324D75}" type="datetimeFigureOut">
               <a:rPr lang="zh-CN" altLang="en-US" smtClean="0"/>
+              <a:t>2018/3/9</a:t>
             </a:fld>
             <a:endParaRPr lang="zh-CN" altLang="en-US"/>
           </a:p>
@@ -446,6 +446,7 @@
           <a:p>
             <a:fld id="{565CE74E-AB26-4998-AD42-012C4C1AD076}" type="slidenum">
               <a:rPr lang="zh-CN" altLang="en-US" smtClean="0"/>
+              <a:t>‹#›</a:t>
             </a:fld>
             <a:endParaRPr lang="zh-CN" altLang="en-US"/>
           </a:p>
@@ -497,10 +498,9 @@
           <a:lstStyle/>
           <a:p>
             <a:r>
-              <a:rPr lang="zh-CN" altLang="en-US" smtClean="0"/>
+              <a:rPr lang="zh-CN" altLang="en-US"/>
               <a:t>单击此处编辑母版标题样式</a:t>
             </a:r>
-            <a:endParaRPr lang="zh-CN" altLang="en-US"/>
           </a:p>
         </p:txBody>
       </p:sp>
@@ -526,42 +526,37 @@
           <a:p>
             <a:pPr lvl="0"/>
             <a:r>
-              <a:rPr lang="zh-CN" altLang="en-US" smtClean="0"/>
+              <a:rPr lang="zh-CN" altLang="en-US"/>
               <a:t>单击此处编辑母版文本样式</a:t>
             </a:r>
-            <a:endParaRPr lang="zh-CN" altLang="en-US" smtClean="0"/>
           </a:p>
           <a:p>
             <a:pPr lvl="1"/>
             <a:r>
-              <a:rPr lang="zh-CN" altLang="en-US" smtClean="0"/>
+              <a:rPr lang="zh-CN" altLang="en-US"/>
               <a:t>第二级</a:t>
             </a:r>
-            <a:endParaRPr lang="zh-CN" altLang="en-US" smtClean="0"/>
           </a:p>
           <a:p>
             <a:pPr lvl="2"/>
             <a:r>
-              <a:rPr lang="zh-CN" altLang="en-US" smtClean="0"/>
+              <a:rPr lang="zh-CN" altLang="en-US"/>
               <a:t>第三级</a:t>
             </a:r>
-            <a:endParaRPr lang="zh-CN" altLang="en-US" smtClean="0"/>
           </a:p>
           <a:p>
             <a:pPr lvl="3"/>
             <a:r>
-              <a:rPr lang="zh-CN" altLang="en-US" smtClean="0"/>
+              <a:rPr lang="zh-CN" altLang="en-US"/>
               <a:t>第四级</a:t>
             </a:r>
-            <a:endParaRPr lang="zh-CN" altLang="en-US" smtClean="0"/>
           </a:p>
           <a:p>
             <a:pPr lvl="4"/>
             <a:r>
-              <a:rPr lang="zh-CN" altLang="en-US" smtClean="0"/>
+              <a:rPr lang="zh-CN" altLang="en-US"/>
               <a:t>第五级</a:t>
             </a:r>
-            <a:endParaRPr lang="zh-CN" altLang="en-US"/>
           </a:p>
         </p:txBody>
       </p:sp>
@@ -582,6 +577,7 @@
           <a:p>
             <a:fld id="{D997B5FA-0921-464F-AAE1-844C04324D75}" type="datetimeFigureOut">
               <a:rPr lang="zh-CN" altLang="en-US" smtClean="0"/>
+              <a:t>2018/3/9</a:t>
             </a:fld>
             <a:endParaRPr lang="zh-CN" altLang="en-US"/>
           </a:p>
@@ -623,6 +619,7 @@
           <a:p>
             <a:fld id="{565CE74E-AB26-4998-AD42-012C4C1AD076}" type="slidenum">
               <a:rPr lang="zh-CN" altLang="en-US" smtClean="0"/>
+              <a:t>‹#›</a:t>
             </a:fld>
             <a:endParaRPr lang="zh-CN" altLang="en-US"/>
           </a:p>
@@ -669,10 +666,9 @@
           <a:lstStyle/>
           <a:p>
             <a:r>
-              <a:rPr lang="zh-CN" altLang="en-US" smtClean="0"/>
+              <a:rPr lang="zh-CN" altLang="en-US"/>
               <a:t>单击此处编辑母版标题样式</a:t>
             </a:r>
-            <a:endParaRPr lang="zh-CN" altLang="en-US"/>
           </a:p>
         </p:txBody>
       </p:sp>
@@ -693,42 +689,37 @@
           <a:p>
             <a:pPr lvl="0"/>
             <a:r>
-              <a:rPr lang="zh-CN" altLang="en-US" smtClean="0"/>
+              <a:rPr lang="zh-CN" altLang="en-US"/>
               <a:t>单击此处编辑母版文本样式</a:t>
             </a:r>
-            <a:endParaRPr lang="zh-CN" altLang="en-US" smtClean="0"/>
           </a:p>
           <a:p>
             <a:pPr lvl="1"/>
             <a:r>
-              <a:rPr lang="zh-CN" altLang="en-US" smtClean="0"/>
+              <a:rPr lang="zh-CN" altLang="en-US"/>
               <a:t>第二级</a:t>
             </a:r>
-            <a:endParaRPr lang="zh-CN" altLang="en-US" smtClean="0"/>
           </a:p>
           <a:p>
             <a:pPr lvl="2"/>
             <a:r>
-              <a:rPr lang="zh-CN" altLang="en-US" smtClean="0"/>
+              <a:rPr lang="zh-CN" altLang="en-US"/>
               <a:t>第三级</a:t>
             </a:r>
-            <a:endParaRPr lang="zh-CN" altLang="en-US" smtClean="0"/>
           </a:p>
           <a:p>
             <a:pPr lvl="3"/>
             <a:r>
-              <a:rPr lang="zh-CN" altLang="en-US" smtClean="0"/>
+              <a:rPr lang="zh-CN" altLang="en-US"/>
               <a:t>第四级</a:t>
             </a:r>
-            <a:endParaRPr lang="zh-CN" altLang="en-US" smtClean="0"/>
           </a:p>
           <a:p>
             <a:pPr lvl="4"/>
             <a:r>
-              <a:rPr lang="zh-CN" altLang="en-US" smtClean="0"/>
+              <a:rPr lang="zh-CN" altLang="en-US"/>
               <a:t>第五级</a:t>
             </a:r>
-            <a:endParaRPr lang="zh-CN" altLang="en-US"/>
           </a:p>
         </p:txBody>
       </p:sp>
@@ -749,6 +740,7 @@
           <a:p>
             <a:fld id="{D997B5FA-0921-464F-AAE1-844C04324D75}" type="datetimeFigureOut">
               <a:rPr lang="zh-CN" altLang="en-US" smtClean="0"/>
+              <a:t>2018/3/9</a:t>
             </a:fld>
             <a:endParaRPr lang="zh-CN" altLang="en-US"/>
           </a:p>
@@ -790,6 +782,7 @@
           <a:p>
             <a:fld id="{565CE74E-AB26-4998-AD42-012C4C1AD076}" type="slidenum">
               <a:rPr lang="zh-CN" altLang="en-US" smtClean="0"/>
+              <a:t>‹#›</a:t>
             </a:fld>
             <a:endParaRPr lang="zh-CN" altLang="en-US"/>
           </a:p>
@@ -845,10 +838,9 @@
           </a:lstStyle>
           <a:p>
             <a:r>
-              <a:rPr lang="zh-CN" altLang="en-US" smtClean="0"/>
+              <a:rPr lang="zh-CN" altLang="en-US"/>
               <a:t>单击此处编辑母版标题样式</a:t>
             </a:r>
-            <a:endParaRPr lang="zh-CN" altLang="en-US"/>
           </a:p>
         </p:txBody>
       </p:sp>
@@ -965,10 +957,9 @@
           <a:p>
             <a:pPr lvl="0"/>
             <a:r>
-              <a:rPr lang="zh-CN" altLang="en-US" smtClean="0"/>
+              <a:rPr lang="zh-CN" altLang="en-US"/>
               <a:t>单击此处编辑母版文本样式</a:t>
             </a:r>
-            <a:endParaRPr lang="zh-CN" altLang="en-US" smtClean="0"/>
           </a:p>
         </p:txBody>
       </p:sp>
@@ -989,6 +980,7 @@
           <a:p>
             <a:fld id="{D997B5FA-0921-464F-AAE1-844C04324D75}" type="datetimeFigureOut">
               <a:rPr lang="zh-CN" altLang="en-US" smtClean="0"/>
+              <a:t>2018/3/9</a:t>
             </a:fld>
             <a:endParaRPr lang="zh-CN" altLang="en-US"/>
           </a:p>
@@ -1030,6 +1022,7 @@
           <a:p>
             <a:fld id="{565CE74E-AB26-4998-AD42-012C4C1AD076}" type="slidenum">
               <a:rPr lang="zh-CN" altLang="en-US" smtClean="0"/>
+              <a:t>‹#›</a:t>
             </a:fld>
             <a:endParaRPr lang="zh-CN" altLang="en-US"/>
           </a:p>
@@ -1076,10 +1069,9 @@
           <a:lstStyle/>
           <a:p>
             <a:r>
-              <a:rPr lang="zh-CN" altLang="en-US" smtClean="0"/>
+              <a:rPr lang="zh-CN" altLang="en-US"/>
               <a:t>单击此处编辑母版标题样式</a:t>
             </a:r>
-            <a:endParaRPr lang="zh-CN" altLang="en-US"/>
           </a:p>
         </p:txBody>
       </p:sp>
@@ -1105,42 +1097,37 @@
           <a:p>
             <a:pPr lvl="0"/>
             <a:r>
-              <a:rPr lang="zh-CN" altLang="en-US" smtClean="0"/>
+              <a:rPr lang="zh-CN" altLang="en-US"/>
               <a:t>单击此处编辑母版文本样式</a:t>
             </a:r>
-            <a:endParaRPr lang="zh-CN" altLang="en-US" smtClean="0"/>
           </a:p>
           <a:p>
             <a:pPr lvl="1"/>
             <a:r>
-              <a:rPr lang="zh-CN" altLang="en-US" smtClean="0"/>
+              <a:rPr lang="zh-CN" altLang="en-US"/>
               <a:t>第二级</a:t>
             </a:r>
-            <a:endParaRPr lang="zh-CN" altLang="en-US" smtClean="0"/>
           </a:p>
           <a:p>
             <a:pPr lvl="2"/>
             <a:r>
-              <a:rPr lang="zh-CN" altLang="en-US" smtClean="0"/>
+              <a:rPr lang="zh-CN" altLang="en-US"/>
               <a:t>第三级</a:t>
             </a:r>
-            <a:endParaRPr lang="zh-CN" altLang="en-US" smtClean="0"/>
           </a:p>
           <a:p>
             <a:pPr lvl="3"/>
             <a:r>
-              <a:rPr lang="zh-CN" altLang="en-US" smtClean="0"/>
+              <a:rPr lang="zh-CN" altLang="en-US"/>
               <a:t>第四级</a:t>
             </a:r>
-            <a:endParaRPr lang="zh-CN" altLang="en-US" smtClean="0"/>
           </a:p>
           <a:p>
             <a:pPr lvl="4"/>
             <a:r>
-              <a:rPr lang="zh-CN" altLang="en-US" smtClean="0"/>
+              <a:rPr lang="zh-CN" altLang="en-US"/>
               <a:t>第五级</a:t>
             </a:r>
-            <a:endParaRPr lang="zh-CN" altLang="en-US"/>
           </a:p>
         </p:txBody>
       </p:sp>
@@ -1166,42 +1153,37 @@
           <a:p>
             <a:pPr lvl="0"/>
             <a:r>
-              <a:rPr lang="zh-CN" altLang="en-US" smtClean="0"/>
+              <a:rPr lang="zh-CN" altLang="en-US"/>
               <a:t>单击此处编辑母版文本样式</a:t>
             </a:r>
-            <a:endParaRPr lang="zh-CN" altLang="en-US" smtClean="0"/>
           </a:p>
           <a:p>
             <a:pPr lvl="1"/>
             <a:r>
-              <a:rPr lang="zh-CN" altLang="en-US" smtClean="0"/>
+              <a:rPr lang="zh-CN" altLang="en-US"/>
               <a:t>第二级</a:t>
             </a:r>
-            <a:endParaRPr lang="zh-CN" altLang="en-US" smtClean="0"/>
           </a:p>
           <a:p>
             <a:pPr lvl="2"/>
             <a:r>
-              <a:rPr lang="zh-CN" altLang="en-US" smtClean="0"/>
+              <a:rPr lang="zh-CN" altLang="en-US"/>
               <a:t>第三级</a:t>
             </a:r>
-            <a:endParaRPr lang="zh-CN" altLang="en-US" smtClean="0"/>
           </a:p>
           <a:p>
             <a:pPr lvl="3"/>
             <a:r>
-              <a:rPr lang="zh-CN" altLang="en-US" smtClean="0"/>
+              <a:rPr lang="zh-CN" altLang="en-US"/>
               <a:t>第四级</a:t>
             </a:r>
-            <a:endParaRPr lang="zh-CN" altLang="en-US" smtClean="0"/>
           </a:p>
           <a:p>
             <a:pPr lvl="4"/>
             <a:r>
-              <a:rPr lang="zh-CN" altLang="en-US" smtClean="0"/>
+              <a:rPr lang="zh-CN" altLang="en-US"/>
               <a:t>第五级</a:t>
             </a:r>
-            <a:endParaRPr lang="zh-CN" altLang="en-US"/>
           </a:p>
         </p:txBody>
       </p:sp>
@@ -1222,6 +1204,7 @@
           <a:p>
             <a:fld id="{D997B5FA-0921-464F-AAE1-844C04324D75}" type="datetimeFigureOut">
               <a:rPr lang="zh-CN" altLang="en-US" smtClean="0"/>
+              <a:t>2018/3/9</a:t>
             </a:fld>
             <a:endParaRPr lang="zh-CN" altLang="en-US"/>
           </a:p>
@@ -1263,6 +1246,7 @@
           <a:p>
             <a:fld id="{565CE74E-AB26-4998-AD42-012C4C1AD076}" type="slidenum">
               <a:rPr lang="zh-CN" altLang="en-US" smtClean="0"/>
+              <a:t>‹#›</a:t>
             </a:fld>
             <a:endParaRPr lang="zh-CN" altLang="en-US"/>
           </a:p>
@@ -1314,10 +1298,9 @@
           <a:lstStyle/>
           <a:p>
             <a:r>
-              <a:rPr lang="zh-CN" altLang="en-US" smtClean="0"/>
+              <a:rPr lang="zh-CN" altLang="en-US"/>
               <a:t>单击此处编辑母版标题样式</a:t>
             </a:r>
-            <a:endParaRPr lang="zh-CN" altLang="en-US"/>
           </a:p>
         </p:txBody>
       </p:sp>
@@ -1380,10 +1363,9 @@
           <a:p>
             <a:pPr lvl="0"/>
             <a:r>
-              <a:rPr lang="zh-CN" altLang="en-US" smtClean="0"/>
+              <a:rPr lang="zh-CN" altLang="en-US"/>
               <a:t>单击此处编辑母版文本样式</a:t>
             </a:r>
-            <a:endParaRPr lang="zh-CN" altLang="en-US" smtClean="0"/>
           </a:p>
         </p:txBody>
       </p:sp>
@@ -1409,42 +1391,37 @@
           <a:p>
             <a:pPr lvl="0"/>
             <a:r>
-              <a:rPr lang="zh-CN" altLang="en-US" smtClean="0"/>
+              <a:rPr lang="zh-CN" altLang="en-US"/>
               <a:t>单击此处编辑母版文本样式</a:t>
             </a:r>
-            <a:endParaRPr lang="zh-CN" altLang="en-US" smtClean="0"/>
           </a:p>
           <a:p>
             <a:pPr lvl="1"/>
             <a:r>
-              <a:rPr lang="zh-CN" altLang="en-US" smtClean="0"/>
+              <a:rPr lang="zh-CN" altLang="en-US"/>
               <a:t>第二级</a:t>
             </a:r>
-            <a:endParaRPr lang="zh-CN" altLang="en-US" smtClean="0"/>
           </a:p>
           <a:p>
             <a:pPr lvl="2"/>
             <a:r>
-              <a:rPr lang="zh-CN" altLang="en-US" smtClean="0"/>
+              <a:rPr lang="zh-CN" altLang="en-US"/>
               <a:t>第三级</a:t>
             </a:r>
-            <a:endParaRPr lang="zh-CN" altLang="en-US" smtClean="0"/>
           </a:p>
           <a:p>
             <a:pPr lvl="3"/>
             <a:r>
-              <a:rPr lang="zh-CN" altLang="en-US" smtClean="0"/>
+              <a:rPr lang="zh-CN" altLang="en-US"/>
               <a:t>第四级</a:t>
             </a:r>
-            <a:endParaRPr lang="zh-CN" altLang="en-US" smtClean="0"/>
           </a:p>
           <a:p>
             <a:pPr lvl="4"/>
             <a:r>
-              <a:rPr lang="zh-CN" altLang="en-US" smtClean="0"/>
+              <a:rPr lang="zh-CN" altLang="en-US"/>
               <a:t>第五级</a:t>
             </a:r>
-            <a:endParaRPr lang="zh-CN" altLang="en-US"/>
           </a:p>
         </p:txBody>
       </p:sp>
@@ -1507,10 +1484,9 @@
           <a:p>
             <a:pPr lvl="0"/>
             <a:r>
-              <a:rPr lang="zh-CN" altLang="en-US" smtClean="0"/>
+              <a:rPr lang="zh-CN" altLang="en-US"/>
               <a:t>单击此处编辑母版文本样式</a:t>
             </a:r>
-            <a:endParaRPr lang="zh-CN" altLang="en-US" smtClean="0"/>
           </a:p>
         </p:txBody>
       </p:sp>
@@ -1536,42 +1512,37 @@
           <a:p>
             <a:pPr lvl="0"/>
             <a:r>
-              <a:rPr lang="zh-CN" altLang="en-US" smtClean="0"/>
+              <a:rPr lang="zh-CN" altLang="en-US"/>
               <a:t>单击此处编辑母版文本样式</a:t>
             </a:r>
-            <a:endParaRPr lang="zh-CN" altLang="en-US" smtClean="0"/>
           </a:p>
           <a:p>
             <a:pPr lvl="1"/>
             <a:r>
-              <a:rPr lang="zh-CN" altLang="en-US" smtClean="0"/>
+              <a:rPr lang="zh-CN" altLang="en-US"/>
               <a:t>第二级</a:t>
             </a:r>
-            <a:endParaRPr lang="zh-CN" altLang="en-US" smtClean="0"/>
           </a:p>
           <a:p>
             <a:pPr lvl="2"/>
             <a:r>
-              <a:rPr lang="zh-CN" altLang="en-US" smtClean="0"/>
+              <a:rPr lang="zh-CN" altLang="en-US"/>
               <a:t>第三级</a:t>
             </a:r>
-            <a:endParaRPr lang="zh-CN" altLang="en-US" smtClean="0"/>
           </a:p>
           <a:p>
             <a:pPr lvl="3"/>
             <a:r>
-              <a:rPr lang="zh-CN" altLang="en-US" smtClean="0"/>
+              <a:rPr lang="zh-CN" altLang="en-US"/>
               <a:t>第四级</a:t>
             </a:r>
-            <a:endParaRPr lang="zh-CN" altLang="en-US" smtClean="0"/>
           </a:p>
           <a:p>
             <a:pPr lvl="4"/>
             <a:r>
-              <a:rPr lang="zh-CN" altLang="en-US" smtClean="0"/>
+              <a:rPr lang="zh-CN" altLang="en-US"/>
               <a:t>第五级</a:t>
             </a:r>
-            <a:endParaRPr lang="zh-CN" altLang="en-US"/>
           </a:p>
         </p:txBody>
       </p:sp>
@@ -1592,6 +1563,7 @@
           <a:p>
             <a:fld id="{D997B5FA-0921-464F-AAE1-844C04324D75}" type="datetimeFigureOut">
               <a:rPr lang="zh-CN" altLang="en-US" smtClean="0"/>
+              <a:t>2018/3/9</a:t>
             </a:fld>
             <a:endParaRPr lang="zh-CN" altLang="en-US"/>
           </a:p>
@@ -1633,6 +1605,7 @@
           <a:p>
             <a:fld id="{565CE74E-AB26-4998-AD42-012C4C1AD076}" type="slidenum">
               <a:rPr lang="zh-CN" altLang="en-US" smtClean="0"/>
+              <a:t>‹#›</a:t>
             </a:fld>
             <a:endParaRPr lang="zh-CN" altLang="en-US"/>
           </a:p>
@@ -1679,10 +1652,9 @@
           <a:lstStyle/>
           <a:p>
             <a:r>
-              <a:rPr lang="zh-CN" altLang="en-US" smtClean="0"/>
+              <a:rPr lang="zh-CN" altLang="en-US"/>
               <a:t>单击此处编辑母版标题样式</a:t>
             </a:r>
-            <a:endParaRPr lang="zh-CN" altLang="en-US"/>
           </a:p>
         </p:txBody>
       </p:sp>
@@ -1703,6 +1675,7 @@
           <a:p>
             <a:fld id="{D997B5FA-0921-464F-AAE1-844C04324D75}" type="datetimeFigureOut">
               <a:rPr lang="zh-CN" altLang="en-US" smtClean="0"/>
+              <a:t>2018/3/9</a:t>
             </a:fld>
             <a:endParaRPr lang="zh-CN" altLang="en-US"/>
           </a:p>
@@ -1744,6 +1717,7 @@
           <a:p>
             <a:fld id="{565CE74E-AB26-4998-AD42-012C4C1AD076}" type="slidenum">
               <a:rPr lang="zh-CN" altLang="en-US" smtClean="0"/>
+              <a:t>‹#›</a:t>
             </a:fld>
             <a:endParaRPr lang="zh-CN" altLang="en-US"/>
           </a:p>
@@ -1791,6 +1765,7 @@
           <a:p>
             <a:fld id="{D997B5FA-0921-464F-AAE1-844C04324D75}" type="datetimeFigureOut">
               <a:rPr lang="zh-CN" altLang="en-US" smtClean="0"/>
+              <a:t>2018/3/9</a:t>
             </a:fld>
             <a:endParaRPr lang="zh-CN" altLang="en-US"/>
           </a:p>
@@ -1832,6 +1807,7 @@
           <a:p>
             <a:fld id="{565CE74E-AB26-4998-AD42-012C4C1AD076}" type="slidenum">
               <a:rPr lang="zh-CN" altLang="en-US" smtClean="0"/>
+              <a:t>‹#›</a:t>
             </a:fld>
             <a:endParaRPr lang="zh-CN" altLang="en-US"/>
           </a:p>
@@ -1887,10 +1863,9 @@
           </a:lstStyle>
           <a:p>
             <a:r>
-              <a:rPr lang="zh-CN" altLang="en-US" smtClean="0"/>
+              <a:rPr lang="zh-CN" altLang="en-US"/>
               <a:t>单击此处编辑母版标题样式</a:t>
             </a:r>
-            <a:endParaRPr lang="zh-CN" altLang="en-US"/>
           </a:p>
         </p:txBody>
       </p:sp>
@@ -1944,42 +1919,37 @@
           <a:p>
             <a:pPr lvl="0"/>
             <a:r>
-              <a:rPr lang="zh-CN" altLang="en-US" smtClean="0"/>
+              <a:rPr lang="zh-CN" altLang="en-US"/>
               <a:t>单击此处编辑母版文本样式</a:t>
             </a:r>
-            <a:endParaRPr lang="zh-CN" altLang="en-US" smtClean="0"/>
           </a:p>
           <a:p>
             <a:pPr lvl="1"/>
             <a:r>
-              <a:rPr lang="zh-CN" altLang="en-US" smtClean="0"/>
+              <a:rPr lang="zh-CN" altLang="en-US"/>
               <a:t>第二级</a:t>
             </a:r>
-            <a:endParaRPr lang="zh-CN" altLang="en-US" smtClean="0"/>
           </a:p>
           <a:p>
             <a:pPr lvl="2"/>
             <a:r>
-              <a:rPr lang="zh-CN" altLang="en-US" smtClean="0"/>
+              <a:rPr lang="zh-CN" altLang="en-US"/>
               <a:t>第三级</a:t>
             </a:r>
-            <a:endParaRPr lang="zh-CN" altLang="en-US" smtClean="0"/>
           </a:p>
           <a:p>
             <a:pPr lvl="3"/>
             <a:r>
-              <a:rPr lang="zh-CN" altLang="en-US" smtClean="0"/>
+              <a:rPr lang="zh-CN" altLang="en-US"/>
               <a:t>第四级</a:t>
             </a:r>
-            <a:endParaRPr lang="zh-CN" altLang="en-US" smtClean="0"/>
           </a:p>
           <a:p>
             <a:pPr lvl="4"/>
             <a:r>
-              <a:rPr lang="zh-CN" altLang="en-US" smtClean="0"/>
+              <a:rPr lang="zh-CN" altLang="en-US"/>
               <a:t>第五级</a:t>
             </a:r>
-            <a:endParaRPr lang="zh-CN" altLang="en-US"/>
           </a:p>
         </p:txBody>
       </p:sp>
@@ -2042,10 +2012,9 @@
           <a:p>
             <a:pPr lvl="0"/>
             <a:r>
-              <a:rPr lang="zh-CN" altLang="en-US" smtClean="0"/>
+              <a:rPr lang="zh-CN" altLang="en-US"/>
               <a:t>单击此处编辑母版文本样式</a:t>
             </a:r>
-            <a:endParaRPr lang="zh-CN" altLang="en-US" smtClean="0"/>
           </a:p>
         </p:txBody>
       </p:sp>
@@ -2066,6 +2035,7 @@
           <a:p>
             <a:fld id="{D997B5FA-0921-464F-AAE1-844C04324D75}" type="datetimeFigureOut">
               <a:rPr lang="zh-CN" altLang="en-US" smtClean="0"/>
+              <a:t>2018/3/9</a:t>
             </a:fld>
             <a:endParaRPr lang="zh-CN" altLang="en-US"/>
           </a:p>
@@ -2107,6 +2077,7 @@
           <a:p>
             <a:fld id="{565CE74E-AB26-4998-AD42-012C4C1AD076}" type="slidenum">
               <a:rPr lang="zh-CN" altLang="en-US" smtClean="0"/>
+              <a:t>‹#›</a:t>
             </a:fld>
             <a:endParaRPr lang="zh-CN" altLang="en-US"/>
           </a:p>
@@ -2162,10 +2133,9 @@
           </a:lstStyle>
           <a:p>
             <a:r>
-              <a:rPr lang="zh-CN" altLang="en-US" smtClean="0"/>
+              <a:rPr lang="zh-CN" altLang="en-US"/>
               <a:t>单击此处编辑母版标题样式</a:t>
             </a:r>
-            <a:endParaRPr lang="zh-CN" altLang="en-US"/>
           </a:p>
         </p:txBody>
       </p:sp>
@@ -2289,10 +2259,9 @@
           <a:p>
             <a:pPr lvl="0"/>
             <a:r>
-              <a:rPr lang="zh-CN" altLang="en-US" smtClean="0"/>
+              <a:rPr lang="zh-CN" altLang="en-US"/>
               <a:t>单击此处编辑母版文本样式</a:t>
             </a:r>
-            <a:endParaRPr lang="zh-CN" altLang="en-US" smtClean="0"/>
           </a:p>
         </p:txBody>
       </p:sp>
@@ -2313,6 +2282,7 @@
           <a:p>
             <a:fld id="{D997B5FA-0921-464F-AAE1-844C04324D75}" type="datetimeFigureOut">
               <a:rPr lang="zh-CN" altLang="en-US" smtClean="0"/>
+              <a:t>2018/3/9</a:t>
             </a:fld>
             <a:endParaRPr lang="zh-CN" altLang="en-US"/>
           </a:p>
@@ -2354,6 +2324,7 @@
           <a:p>
             <a:fld id="{565CE74E-AB26-4998-AD42-012C4C1AD076}" type="slidenum">
               <a:rPr lang="zh-CN" altLang="en-US" smtClean="0"/>
+              <a:t>‹#›</a:t>
             </a:fld>
             <a:endParaRPr lang="zh-CN" altLang="en-US"/>
           </a:p>
@@ -2415,10 +2386,9 @@
           <a:lstStyle/>
           <a:p>
             <a:r>
-              <a:rPr lang="zh-CN" altLang="en-US" smtClean="0"/>
+              <a:rPr lang="zh-CN" altLang="en-US"/>
               <a:t>单击此处编辑母版标题样式</a:t>
             </a:r>
-            <a:endParaRPr lang="zh-CN" altLang="en-US"/>
           </a:p>
         </p:txBody>
       </p:sp>
@@ -2449,42 +2419,37 @@
           <a:p>
             <a:pPr lvl="0"/>
             <a:r>
-              <a:rPr lang="zh-CN" altLang="en-US" smtClean="0"/>
+              <a:rPr lang="zh-CN" altLang="en-US"/>
               <a:t>单击此处编辑母版文本样式</a:t>
             </a:r>
-            <a:endParaRPr lang="zh-CN" altLang="en-US" smtClean="0"/>
           </a:p>
           <a:p>
             <a:pPr lvl="1"/>
             <a:r>
-              <a:rPr lang="zh-CN" altLang="en-US" smtClean="0"/>
+              <a:rPr lang="zh-CN" altLang="en-US"/>
               <a:t>第二级</a:t>
             </a:r>
-            <a:endParaRPr lang="zh-CN" altLang="en-US" smtClean="0"/>
           </a:p>
           <a:p>
             <a:pPr lvl="2"/>
             <a:r>
-              <a:rPr lang="zh-CN" altLang="en-US" smtClean="0"/>
+              <a:rPr lang="zh-CN" altLang="en-US"/>
               <a:t>第三级</a:t>
             </a:r>
-            <a:endParaRPr lang="zh-CN" altLang="en-US" smtClean="0"/>
           </a:p>
           <a:p>
             <a:pPr lvl="3"/>
             <a:r>
-              <a:rPr lang="zh-CN" altLang="en-US" smtClean="0"/>
+              <a:rPr lang="zh-CN" altLang="en-US"/>
               <a:t>第四级</a:t>
             </a:r>
-            <a:endParaRPr lang="zh-CN" altLang="en-US" smtClean="0"/>
           </a:p>
           <a:p>
             <a:pPr lvl="4"/>
             <a:r>
-              <a:rPr lang="zh-CN" altLang="en-US" smtClean="0"/>
+              <a:rPr lang="zh-CN" altLang="en-US"/>
               <a:t>第五级</a:t>
             </a:r>
-            <a:endParaRPr lang="zh-CN" altLang="en-US"/>
           </a:p>
         </p:txBody>
       </p:sp>
@@ -2523,6 +2488,7 @@
           <a:p>
             <a:fld id="{D997B5FA-0921-464F-AAE1-844C04324D75}" type="datetimeFigureOut">
               <a:rPr lang="zh-CN" altLang="en-US" smtClean="0"/>
+              <a:t>2018/3/9</a:t>
             </a:fld>
             <a:endParaRPr lang="zh-CN" altLang="en-US"/>
           </a:p>
@@ -2600,6 +2566,7 @@
           <a:p>
             <a:fld id="{565CE74E-AB26-4998-AD42-012C4C1AD076}" type="slidenum">
               <a:rPr lang="zh-CN" altLang="en-US" smtClean="0"/>
+              <a:t>‹#›</a:t>
             </a:fld>
             <a:endParaRPr lang="zh-CN" altLang="en-US"/>
           </a:p>
@@ -2913,7 +2880,14 @@
         <p:cNvGrpSpPr/>
         <p:nvPr/>
       </p:nvGrpSpPr>
-      <p:grpSpPr/>
+      <p:grpSpPr>
+        <a:xfrm>
+          <a:off x="0" y="0"/>
+          <a:ext cx="0" cy="0"/>
+          <a:chOff x="0" y="0"/>
+          <a:chExt cx="0" cy="0"/>
+        </a:xfrm>
+      </p:grpSpPr>
       <p:sp>
         <p:nvSpPr>
           <p:cNvPr id="4" name="圆角矩形 3"/>
@@ -2955,13 +2929,13 @@
         </p:style>
         <p:txBody>
           <a:bodyPr rtlCol="0" anchor="ctr"/>
+          <a:lstStyle/>
           <a:p>
             <a:pPr algn="ctr"/>
             <a:r>
               <a:rPr lang="en-US" altLang="zh-CN" sz="2000"/>
               <a:t>View</a:t>
             </a:r>
-            <a:endParaRPr lang="en-US" altLang="zh-CN" sz="2000"/>
           </a:p>
         </p:txBody>
       </p:sp>
@@ -3006,13 +2980,13 @@
         </p:style>
         <p:txBody>
           <a:bodyPr rtlCol="0" anchor="ctr"/>
+          <a:lstStyle/>
           <a:p>
             <a:pPr algn="ctr"/>
             <a:r>
               <a:rPr lang="en-US" altLang="zh-CN" sz="2000"/>
               <a:t>Service</a:t>
             </a:r>
-            <a:endParaRPr lang="en-US" altLang="zh-CN" sz="2000"/>
           </a:p>
         </p:txBody>
       </p:sp>
@@ -3057,13 +3031,13 @@
         </p:style>
         <p:txBody>
           <a:bodyPr rtlCol="0" anchor="ctr"/>
+          <a:lstStyle/>
           <a:p>
             <a:pPr algn="ctr"/>
             <a:r>
               <a:rPr lang="en-US" altLang="zh-CN" sz="2000"/>
               <a:t>DAO</a:t>
             </a:r>
-            <a:endParaRPr lang="en-US" altLang="zh-CN" sz="2000"/>
           </a:p>
         </p:txBody>
       </p:sp>
@@ -3108,13 +3082,13 @@
         </p:style>
         <p:txBody>
           <a:bodyPr rtlCol="0" anchor="ctr"/>
+          <a:lstStyle/>
           <a:p>
             <a:pPr algn="ctr"/>
             <a:r>
               <a:rPr lang="en-US" altLang="zh-CN" sz="2000"/>
               <a:t>DB</a:t>
             </a:r>
-            <a:endParaRPr lang="en-US" altLang="zh-CN" sz="2000"/>
           </a:p>
         </p:txBody>
       </p:sp>
@@ -3159,13 +3133,13 @@
         </p:style>
         <p:txBody>
           <a:bodyPr rtlCol="0" anchor="ctr"/>
+          <a:lstStyle/>
           <a:p>
             <a:pPr algn="ctr"/>
             <a:r>
               <a:rPr lang="en-US" altLang="zh-CN" sz="2000"/>
               <a:t>Controller</a:t>
             </a:r>
-            <a:endParaRPr lang="en-US" altLang="zh-CN" sz="2000"/>
           </a:p>
         </p:txBody>
       </p:sp>
@@ -3222,12 +3196,12 @@
           <a:bodyPr wrap="none" rtlCol="0">
             <a:spAutoFit/>
           </a:bodyPr>
-          <a:p>
-            <a:r>
-              <a:rPr lang="en-US" altLang="zh-CN"/>
+          <a:lstStyle/>
+          <a:p>
+            <a:r>
+              <a:rPr lang="en-US" altLang="zh-CN" dirty="0"/>
               <a:t>VO</a:t>
             </a:r>
-            <a:endParaRPr lang="en-US" altLang="zh-CN"/>
           </a:p>
         </p:txBody>
       </p:sp>
@@ -3284,12 +3258,12 @@
           <a:bodyPr wrap="none" rtlCol="0">
             <a:spAutoFit/>
           </a:bodyPr>
+          <a:lstStyle/>
           <a:p>
             <a:r>
               <a:rPr lang="en-US" altLang="zh-CN"/>
               <a:t>DTO</a:t>
             </a:r>
-            <a:endParaRPr lang="en-US" altLang="zh-CN"/>
           </a:p>
         </p:txBody>
       </p:sp>
@@ -3346,12 +3320,12 @@
           <a:bodyPr wrap="none" rtlCol="0">
             <a:spAutoFit/>
           </a:bodyPr>
+          <a:lstStyle/>
           <a:p>
             <a:r>
               <a:rPr lang="en-US" altLang="zh-CN"/>
               <a:t>DO</a:t>
             </a:r>
-            <a:endParaRPr lang="en-US" altLang="zh-CN"/>
           </a:p>
         </p:txBody>
       </p:sp>
@@ -3408,12 +3382,12 @@
           <a:bodyPr wrap="none" rtlCol="0">
             <a:spAutoFit/>
           </a:bodyPr>
+          <a:lstStyle/>
           <a:p>
             <a:r>
               <a:rPr lang="en-US" altLang="zh-CN"/>
               <a:t>DO</a:t>
             </a:r>
-            <a:endParaRPr lang="en-US" altLang="zh-CN"/>
           </a:p>
         </p:txBody>
       </p:sp>
@@ -3470,12 +3444,12 @@
           <a:bodyPr wrap="none" rtlCol="0">
             <a:spAutoFit/>
           </a:bodyPr>
+          <a:lstStyle/>
           <a:p>
             <a:r>
               <a:rPr lang="en-US" altLang="zh-CN"/>
               <a:t>DO</a:t>
             </a:r>
-            <a:endParaRPr lang="en-US" altLang="zh-CN"/>
           </a:p>
         </p:txBody>
       </p:sp>
@@ -3532,12 +3506,12 @@
           <a:bodyPr wrap="none" rtlCol="0">
             <a:spAutoFit/>
           </a:bodyPr>
+          <a:lstStyle/>
           <a:p>
             <a:r>
               <a:rPr lang="en-US" altLang="zh-CN"/>
               <a:t>DO</a:t>
             </a:r>
-            <a:endParaRPr lang="en-US" altLang="zh-CN"/>
           </a:p>
         </p:txBody>
       </p:sp>
@@ -3594,12 +3568,12 @@
           <a:bodyPr wrap="none" rtlCol="0">
             <a:spAutoFit/>
           </a:bodyPr>
-          <a:p>
-            <a:r>
-              <a:rPr lang="en-US" altLang="zh-CN"/>
+          <a:lstStyle/>
+          <a:p>
+            <a:r>
+              <a:rPr lang="en-US" altLang="zh-CN" dirty="0"/>
               <a:t>DTO</a:t>
             </a:r>
-            <a:endParaRPr lang="en-US" altLang="zh-CN"/>
           </a:p>
         </p:txBody>
       </p:sp>
@@ -3656,12 +3630,12 @@
           <a:bodyPr wrap="none" rtlCol="0">
             <a:spAutoFit/>
           </a:bodyPr>
-          <a:p>
-            <a:r>
-              <a:rPr lang="en-US" altLang="zh-CN"/>
+          <a:lstStyle/>
+          <a:p>
+            <a:r>
+              <a:rPr lang="en-US" altLang="zh-CN" dirty="0"/>
               <a:t>VO</a:t>
             </a:r>
-            <a:endParaRPr lang="en-US" altLang="zh-CN"/>
           </a:p>
         </p:txBody>
       </p:sp>
@@ -3685,12 +3659,12 @@
           <a:bodyPr wrap="none" rtlCol="0">
             <a:spAutoFit/>
           </a:bodyPr>
+          <a:lstStyle/>
           <a:p>
             <a:r>
               <a:rPr lang="en-US" altLang="zh-CN"/>
               <a:t>Query</a:t>
             </a:r>
-            <a:endParaRPr lang="en-US" altLang="zh-CN"/>
           </a:p>
         </p:txBody>
       </p:sp>
@@ -3714,12 +3688,12 @@
           <a:bodyPr wrap="none" rtlCol="0">
             <a:spAutoFit/>
           </a:bodyPr>
+          <a:lstStyle/>
           <a:p>
             <a:r>
               <a:rPr lang="en-US" altLang="zh-CN"/>
               <a:t>Query</a:t>
             </a:r>
-            <a:endParaRPr lang="en-US" altLang="zh-CN"/>
           </a:p>
         </p:txBody>
       </p:sp>
@@ -3731,8 +3705,8 @@
         </p:nvSpPr>
         <p:spPr>
           <a:xfrm>
-            <a:off x="4502150" y="3381375"/>
-            <a:ext cx="575310" cy="368300"/>
+            <a:off x="4145490" y="3468353"/>
+            <a:ext cx="1300164" cy="369332"/>
           </a:xfrm>
           <a:prstGeom prst="rect">
             <a:avLst/>
@@ -3743,12 +3717,21 @@
           <a:bodyPr wrap="none" rtlCol="0">
             <a:spAutoFit/>
           </a:bodyPr>
-          <a:p>
-            <a:r>
-              <a:rPr lang="en-US" altLang="zh-CN"/>
-              <a:t>DTO</a:t>
-            </a:r>
-            <a:endParaRPr lang="en-US" altLang="zh-CN"/>
+          <a:lstStyle/>
+          <a:p>
+            <a:r>
+              <a:rPr lang="en-US" altLang="zh-Hans" dirty="0"/>
+              <a:t>External</a:t>
+            </a:r>
+            <a:r>
+              <a:rPr lang="zh-Hans" altLang="en-US" dirty="0"/>
+              <a:t> </a:t>
+            </a:r>
+            <a:r>
+              <a:rPr lang="en-US" altLang="zh-Hans" dirty="0"/>
+              <a:t>DO</a:t>
+            </a:r>
+            <a:endParaRPr lang="en-US" altLang="zh-CN" dirty="0"/>
           </a:p>
         </p:txBody>
       </p:sp>
@@ -3879,6 +3862,289 @@
           <a:xfrm flipH="1">
             <a:off x="7626985" y="1643380"/>
             <a:ext cx="2067560" cy="0"/>
+          </a:xfrm>
+          <a:prstGeom prst="straightConnector1">
+            <a:avLst/>
+          </a:prstGeom>
+          <a:ln>
+            <a:solidFill>
+              <a:srgbClr val="FF0000"/>
+            </a:solidFill>
+            <a:tailEnd type="arrow"/>
+          </a:ln>
+        </p:spPr>
+        <p:style>
+          <a:lnRef idx="1">
+            <a:schemeClr val="accent1"/>
+          </a:lnRef>
+          <a:fillRef idx="0">
+            <a:schemeClr val="accent1"/>
+          </a:fillRef>
+          <a:effectRef idx="0">
+            <a:schemeClr val="accent1"/>
+          </a:effectRef>
+          <a:fontRef idx="minor">
+            <a:schemeClr val="tx1"/>
+          </a:fontRef>
+        </p:style>
+      </p:cxnSp>
+      <p:sp>
+        <p:nvSpPr>
+          <p:cNvPr id="31" name="文本框 27">
+            <a:extLst>
+              <a:ext uri="{FF2B5EF4-FFF2-40B4-BE49-F238E27FC236}">
+                <a16:creationId xmlns:a16="http://schemas.microsoft.com/office/drawing/2014/main" id="{0CD0842A-B21D-3140-9792-025A1D124BF7}"/>
+              </a:ext>
+            </a:extLst>
+          </p:cNvPr>
+          <p:cNvSpPr txBox="1"/>
+          <p:nvPr/>
+        </p:nvSpPr>
+        <p:spPr>
+          <a:xfrm>
+            <a:off x="7044900" y="3468527"/>
+            <a:ext cx="575310" cy="368300"/>
+          </a:xfrm>
+          <a:prstGeom prst="rect">
+            <a:avLst/>
+          </a:prstGeom>
+          <a:noFill/>
+        </p:spPr>
+        <p:txBody>
+          <a:bodyPr wrap="none" rtlCol="0">
+            <a:spAutoFit/>
+          </a:bodyPr>
+          <a:lstStyle/>
+          <a:p>
+            <a:r>
+              <a:rPr lang="en-US" altLang="zh-CN" dirty="0"/>
+              <a:t>DTO</a:t>
+            </a:r>
+          </a:p>
+        </p:txBody>
+      </p:sp>
+      <p:sp>
+        <p:nvSpPr>
+          <p:cNvPr id="34" name="文本框 29">
+            <a:extLst>
+              <a:ext uri="{FF2B5EF4-FFF2-40B4-BE49-F238E27FC236}">
+                <a16:creationId xmlns:a16="http://schemas.microsoft.com/office/drawing/2014/main" id="{146D96EC-C52E-294A-9339-FDF58F7087EF}"/>
+              </a:ext>
+            </a:extLst>
+          </p:cNvPr>
+          <p:cNvSpPr txBox="1"/>
+          <p:nvPr/>
+        </p:nvSpPr>
+        <p:spPr>
+          <a:xfrm>
+            <a:off x="9701530" y="3469385"/>
+            <a:ext cx="460375" cy="368300"/>
+          </a:xfrm>
+          <a:prstGeom prst="rect">
+            <a:avLst/>
+          </a:prstGeom>
+          <a:noFill/>
+        </p:spPr>
+        <p:txBody>
+          <a:bodyPr wrap="none" rtlCol="0">
+            <a:spAutoFit/>
+          </a:bodyPr>
+          <a:lstStyle/>
+          <a:p>
+            <a:r>
+              <a:rPr lang="en-US" altLang="zh-CN" dirty="0"/>
+              <a:t>VO</a:t>
+            </a:r>
+          </a:p>
+        </p:txBody>
+      </p:sp>
+      <p:cxnSp>
+        <p:nvCxnSpPr>
+          <p:cNvPr id="35" name="直接箭头连接符 7">
+            <a:extLst>
+              <a:ext uri="{FF2B5EF4-FFF2-40B4-BE49-F238E27FC236}">
+                <a16:creationId xmlns:a16="http://schemas.microsoft.com/office/drawing/2014/main" id="{AC5DC019-40C8-264F-B291-0EAE4105D709}"/>
+              </a:ext>
+            </a:extLst>
+          </p:cNvPr>
+          <p:cNvCxnSpPr>
+            <a:cxnSpLocks/>
+            <a:stCxn id="2" idx="3"/>
+            <a:endCxn id="31" idx="1"/>
+          </p:cNvCxnSpPr>
+          <p:nvPr/>
+        </p:nvCxnSpPr>
+        <p:spPr>
+          <a:xfrm flipV="1">
+            <a:off x="5445654" y="3652677"/>
+            <a:ext cx="1599246" cy="342"/>
+          </a:xfrm>
+          <a:prstGeom prst="straightConnector1">
+            <a:avLst/>
+          </a:prstGeom>
+          <a:ln>
+            <a:solidFill>
+              <a:srgbClr val="FF0000"/>
+            </a:solidFill>
+            <a:tailEnd type="arrow"/>
+          </a:ln>
+        </p:spPr>
+        <p:style>
+          <a:lnRef idx="1">
+            <a:schemeClr val="accent1"/>
+          </a:lnRef>
+          <a:fillRef idx="0">
+            <a:schemeClr val="accent1"/>
+          </a:fillRef>
+          <a:effectRef idx="0">
+            <a:schemeClr val="accent1"/>
+          </a:effectRef>
+          <a:fontRef idx="minor">
+            <a:schemeClr val="tx1"/>
+          </a:fontRef>
+        </p:style>
+      </p:cxnSp>
+      <p:cxnSp>
+        <p:nvCxnSpPr>
+          <p:cNvPr id="36" name="直接箭头连接符 8">
+            <a:extLst>
+              <a:ext uri="{FF2B5EF4-FFF2-40B4-BE49-F238E27FC236}">
+                <a16:creationId xmlns:a16="http://schemas.microsoft.com/office/drawing/2014/main" id="{E0B7F1C0-F0BF-4A47-B94A-0A24654FB68B}"/>
+              </a:ext>
+            </a:extLst>
+          </p:cNvPr>
+          <p:cNvCxnSpPr/>
+          <p:nvPr/>
+        </p:nvCxnSpPr>
+        <p:spPr>
+          <a:xfrm>
+            <a:off x="7626985" y="3652677"/>
+            <a:ext cx="2080895" cy="0"/>
+          </a:xfrm>
+          <a:prstGeom prst="straightConnector1">
+            <a:avLst/>
+          </a:prstGeom>
+          <a:ln>
+            <a:solidFill>
+              <a:srgbClr val="FF0000"/>
+            </a:solidFill>
+            <a:tailEnd type="arrow"/>
+          </a:ln>
+        </p:spPr>
+        <p:style>
+          <a:lnRef idx="1">
+            <a:schemeClr val="accent1"/>
+          </a:lnRef>
+          <a:fillRef idx="0">
+            <a:schemeClr val="accent1"/>
+          </a:fillRef>
+          <a:effectRef idx="0">
+            <a:schemeClr val="accent1"/>
+          </a:effectRef>
+          <a:fontRef idx="minor">
+            <a:schemeClr val="tx1"/>
+          </a:fontRef>
+        </p:style>
+      </p:cxnSp>
+      <p:sp>
+        <p:nvSpPr>
+          <p:cNvPr id="37" name="文本框 13">
+            <a:extLst>
+              <a:ext uri="{FF2B5EF4-FFF2-40B4-BE49-F238E27FC236}">
+                <a16:creationId xmlns:a16="http://schemas.microsoft.com/office/drawing/2014/main" id="{455A0476-0A02-6E4B-8331-9F594033DEDD}"/>
+              </a:ext>
+            </a:extLst>
+          </p:cNvPr>
+          <p:cNvSpPr txBox="1"/>
+          <p:nvPr/>
+        </p:nvSpPr>
+        <p:spPr>
+          <a:xfrm>
+            <a:off x="9524010" y="2039327"/>
+            <a:ext cx="762901" cy="369332"/>
+          </a:xfrm>
+          <a:prstGeom prst="rect">
+            <a:avLst/>
+          </a:prstGeom>
+          <a:noFill/>
+        </p:spPr>
+        <p:txBody>
+          <a:bodyPr wrap="none" rtlCol="0">
+            <a:spAutoFit/>
+          </a:bodyPr>
+          <a:lstStyle/>
+          <a:p>
+            <a:r>
+              <a:rPr lang="en-US" altLang="zh-Hans" dirty="0"/>
+              <a:t>Query</a:t>
+            </a:r>
+            <a:endParaRPr lang="en-US" altLang="zh-CN" dirty="0"/>
+          </a:p>
+        </p:txBody>
+      </p:sp>
+      <p:cxnSp>
+        <p:nvCxnSpPr>
+          <p:cNvPr id="38" name="直接箭头连接符 10">
+            <a:extLst>
+              <a:ext uri="{FF2B5EF4-FFF2-40B4-BE49-F238E27FC236}">
+                <a16:creationId xmlns:a16="http://schemas.microsoft.com/office/drawing/2014/main" id="{346590E1-DFE2-394E-92B0-26B96505A51C}"/>
+              </a:ext>
+            </a:extLst>
+          </p:cNvPr>
+          <p:cNvCxnSpPr>
+            <a:cxnSpLocks/>
+          </p:cNvCxnSpPr>
+          <p:nvPr/>
+        </p:nvCxnSpPr>
+        <p:spPr>
+          <a:xfrm flipH="1">
+            <a:off x="7640320" y="2210435"/>
+            <a:ext cx="1883690" cy="2606"/>
+          </a:xfrm>
+          <a:prstGeom prst="straightConnector1">
+            <a:avLst/>
+          </a:prstGeom>
+          <a:ln>
+            <a:solidFill>
+              <a:srgbClr val="FF0000"/>
+            </a:solidFill>
+            <a:tailEnd type="arrow"/>
+          </a:ln>
+        </p:spPr>
+        <p:style>
+          <a:lnRef idx="1">
+            <a:schemeClr val="accent1"/>
+          </a:lnRef>
+          <a:fillRef idx="0">
+            <a:schemeClr val="accent1"/>
+          </a:fillRef>
+          <a:effectRef idx="0">
+            <a:schemeClr val="accent1"/>
+          </a:effectRef>
+          <a:fontRef idx="minor">
+            <a:schemeClr val="tx1"/>
+          </a:fontRef>
+        </p:style>
+      </p:cxnSp>
+      <p:cxnSp>
+        <p:nvCxnSpPr>
+          <p:cNvPr id="39" name="直接箭头连接符 2">
+            <a:extLst>
+              <a:ext uri="{FF2B5EF4-FFF2-40B4-BE49-F238E27FC236}">
+                <a16:creationId xmlns:a16="http://schemas.microsoft.com/office/drawing/2014/main" id="{6ED100E5-A059-D34E-AAD0-5F62AD4BA9F6}"/>
+              </a:ext>
+            </a:extLst>
+          </p:cNvPr>
+          <p:cNvCxnSpPr>
+            <a:cxnSpLocks/>
+            <a:stCxn id="33" idx="1"/>
+          </p:cNvCxnSpPr>
+          <p:nvPr/>
+        </p:nvCxnSpPr>
+        <p:spPr>
+          <a:xfrm flipH="1">
+            <a:off x="5111691" y="2210435"/>
+            <a:ext cx="1846004" cy="2606"/>
           </a:xfrm>
           <a:prstGeom prst="straightConnector1">
             <a:avLst/>
@@ -4164,6 +4430,8 @@
       </a:bgFillStyleLst>
     </a:fmtScheme>
   </a:themeElements>
+  <a:objectDefaults/>
+  <a:extraClrSchemeLst/>
   <a:extLst>
     <a:ext uri="{05A4C25C-085E-4340-85A3-A5531E510DB2}">
       <thm15:themeFamily xmlns:thm15="http://schemas.microsoft.com/office/thememl/2012/main" name="Office Theme" id="{62F939B6-93AF-4DB8-9C6B-D6C7DFDC589F}" vid="{4A3C46E8-61CC-4603-A589-7422A47A8E4A}"/>
